--- a/Canvas do Projeto Aplicado - Otavio Augusto Bosa.pptx
+++ b/Canvas do Projeto Aplicado - Otavio Augusto Bosa.pptx
@@ -700,7 +700,7 @@
           <a:p>
             <a:fld id="{722B080F-126B-4C40-8493-979CF4E35B37}" type="datetimeFigureOut">
               <a:rPr lang="pt-BR" smtClean="0"/>
-              <a:t>20/03/2023</a:t>
+              <a:t>27/03/2023</a:t>
             </a:fld>
             <a:endParaRPr lang="pt-BR"/>
           </a:p>
@@ -898,7 +898,7 @@
           <a:p>
             <a:fld id="{722B080F-126B-4C40-8493-979CF4E35B37}" type="datetimeFigureOut">
               <a:rPr lang="pt-BR" smtClean="0"/>
-              <a:t>20/03/2023</a:t>
+              <a:t>27/03/2023</a:t>
             </a:fld>
             <a:endParaRPr lang="pt-BR"/>
           </a:p>
@@ -1173,7 +1173,7 @@
           <a:p>
             <a:fld id="{722B080F-126B-4C40-8493-979CF4E35B37}" type="datetimeFigureOut">
               <a:rPr lang="pt-BR" smtClean="0"/>
-              <a:t>20/03/2023</a:t>
+              <a:t>27/03/2023</a:t>
             </a:fld>
             <a:endParaRPr lang="pt-BR"/>
           </a:p>
@@ -1438,7 +1438,7 @@
           <a:p>
             <a:fld id="{722B080F-126B-4C40-8493-979CF4E35B37}" type="datetimeFigureOut">
               <a:rPr lang="pt-BR" smtClean="0"/>
-              <a:t>20/03/2023</a:t>
+              <a:t>27/03/2023</a:t>
             </a:fld>
             <a:endParaRPr lang="pt-BR"/>
           </a:p>
@@ -1850,7 +1850,7 @@
           <a:p>
             <a:fld id="{722B080F-126B-4C40-8493-979CF4E35B37}" type="datetimeFigureOut">
               <a:rPr lang="pt-BR" smtClean="0"/>
-              <a:t>20/03/2023</a:t>
+              <a:t>27/03/2023</a:t>
             </a:fld>
             <a:endParaRPr lang="pt-BR"/>
           </a:p>
@@ -1991,7 +1991,7 @@
           <a:p>
             <a:fld id="{722B080F-126B-4C40-8493-979CF4E35B37}" type="datetimeFigureOut">
               <a:rPr lang="pt-BR" smtClean="0"/>
-              <a:t>20/03/2023</a:t>
+              <a:t>27/03/2023</a:t>
             </a:fld>
             <a:endParaRPr lang="pt-BR"/>
           </a:p>
@@ -2104,7 +2104,7 @@
           <a:p>
             <a:fld id="{722B080F-126B-4C40-8493-979CF4E35B37}" type="datetimeFigureOut">
               <a:rPr lang="pt-BR" smtClean="0"/>
-              <a:t>20/03/2023</a:t>
+              <a:t>27/03/2023</a:t>
             </a:fld>
             <a:endParaRPr lang="pt-BR"/>
           </a:p>
@@ -2530,7 +2530,7 @@
           <a:p>
             <a:fld id="{722B080F-126B-4C40-8493-979CF4E35B37}" type="datetimeFigureOut">
               <a:rPr lang="pt-BR" smtClean="0"/>
-              <a:t>20/03/2023</a:t>
+              <a:t>27/03/2023</a:t>
             </a:fld>
             <a:endParaRPr lang="pt-BR"/>
           </a:p>
@@ -2818,7 +2818,7 @@
           <a:p>
             <a:fld id="{722B080F-126B-4C40-8493-979CF4E35B37}" type="datetimeFigureOut">
               <a:rPr lang="pt-BR" smtClean="0"/>
-              <a:t>20/03/2023</a:t>
+              <a:t>27/03/2023</a:t>
             </a:fld>
             <a:endParaRPr lang="pt-BR"/>
           </a:p>
@@ -3016,7 +3016,7 @@
           <a:p>
             <a:fld id="{722B080F-126B-4C40-8493-979CF4E35B37}" type="datetimeFigureOut">
               <a:rPr lang="pt-BR" smtClean="0"/>
-              <a:t>20/03/2023</a:t>
+              <a:t>27/03/2023</a:t>
             </a:fld>
             <a:endParaRPr lang="pt-BR"/>
           </a:p>
@@ -3224,7 +3224,7 @@
           <a:p>
             <a:fld id="{722B080F-126B-4C40-8493-979CF4E35B37}" type="datetimeFigureOut">
               <a:rPr lang="pt-BR" smtClean="0"/>
-              <a:t>20/03/2023</a:t>
+              <a:t>27/03/2023</a:t>
             </a:fld>
             <a:endParaRPr lang="pt-BR"/>
           </a:p>
@@ -3444,7 +3444,7 @@
           <a:p>
             <a:fld id="{E4EBD666-A697-4156-91FF-DAAB2B063E63}" type="datetimeFigureOut">
               <a:rPr lang="pt-BR" smtClean="0"/>
-              <a:t>20/03/2023</a:t>
+              <a:t>27/03/2023</a:t>
             </a:fld>
             <a:endParaRPr lang="pt-BR"/>
           </a:p>
@@ -3642,7 +3642,7 @@
           <a:p>
             <a:fld id="{E4EBD666-A697-4156-91FF-DAAB2B063E63}" type="datetimeFigureOut">
               <a:rPr lang="pt-BR" smtClean="0"/>
-              <a:t>20/03/2023</a:t>
+              <a:t>27/03/2023</a:t>
             </a:fld>
             <a:endParaRPr lang="pt-BR"/>
           </a:p>
@@ -3917,7 +3917,7 @@
           <a:p>
             <a:fld id="{E4EBD666-A697-4156-91FF-DAAB2B063E63}" type="datetimeFigureOut">
               <a:rPr lang="pt-BR" smtClean="0"/>
-              <a:t>20/03/2023</a:t>
+              <a:t>27/03/2023</a:t>
             </a:fld>
             <a:endParaRPr lang="pt-BR"/>
           </a:p>
@@ -4182,7 +4182,7 @@
           <a:p>
             <a:fld id="{E4EBD666-A697-4156-91FF-DAAB2B063E63}" type="datetimeFigureOut">
               <a:rPr lang="pt-BR" smtClean="0"/>
-              <a:t>20/03/2023</a:t>
+              <a:t>27/03/2023</a:t>
             </a:fld>
             <a:endParaRPr lang="pt-BR"/>
           </a:p>
@@ -4594,7 +4594,7 @@
           <a:p>
             <a:fld id="{E4EBD666-A697-4156-91FF-DAAB2B063E63}" type="datetimeFigureOut">
               <a:rPr lang="pt-BR" smtClean="0"/>
-              <a:t>20/03/2023</a:t>
+              <a:t>27/03/2023</a:t>
             </a:fld>
             <a:endParaRPr lang="pt-BR"/>
           </a:p>
@@ -4735,7 +4735,7 @@
           <a:p>
             <a:fld id="{E4EBD666-A697-4156-91FF-DAAB2B063E63}" type="datetimeFigureOut">
               <a:rPr lang="pt-BR" smtClean="0"/>
-              <a:t>20/03/2023</a:t>
+              <a:t>27/03/2023</a:t>
             </a:fld>
             <a:endParaRPr lang="pt-BR"/>
           </a:p>
@@ -5040,7 +5040,7 @@
           <a:p>
             <a:fld id="{E4EBD666-A697-4156-91FF-DAAB2B063E63}" type="datetimeFigureOut">
               <a:rPr lang="pt-BR" smtClean="0"/>
-              <a:t>20/03/2023</a:t>
+              <a:t>27/03/2023</a:t>
             </a:fld>
             <a:endParaRPr lang="pt-BR"/>
           </a:p>
@@ -5351,7 +5351,7 @@
           <a:p>
             <a:fld id="{E4EBD666-A697-4156-91FF-DAAB2B063E63}" type="datetimeFigureOut">
               <a:rPr lang="pt-BR" smtClean="0"/>
-              <a:t>20/03/2023</a:t>
+              <a:t>27/03/2023</a:t>
             </a:fld>
             <a:endParaRPr lang="pt-BR"/>
           </a:p>
@@ -5639,7 +5639,7 @@
           <a:p>
             <a:fld id="{E4EBD666-A697-4156-91FF-DAAB2B063E63}" type="datetimeFigureOut">
               <a:rPr lang="pt-BR" smtClean="0"/>
-              <a:t>20/03/2023</a:t>
+              <a:t>27/03/2023</a:t>
             </a:fld>
             <a:endParaRPr lang="pt-BR"/>
           </a:p>
@@ -5837,7 +5837,7 @@
           <a:p>
             <a:fld id="{E4EBD666-A697-4156-91FF-DAAB2B063E63}" type="datetimeFigureOut">
               <a:rPr lang="pt-BR" smtClean="0"/>
-              <a:t>20/03/2023</a:t>
+              <a:t>27/03/2023</a:t>
             </a:fld>
             <a:endParaRPr lang="pt-BR"/>
           </a:p>
@@ -6045,7 +6045,7 @@
           <a:p>
             <a:fld id="{E4EBD666-A697-4156-91FF-DAAB2B063E63}" type="datetimeFigureOut">
               <a:rPr lang="pt-BR" smtClean="0"/>
-              <a:t>20/03/2023</a:t>
+              <a:t>27/03/2023</a:t>
             </a:fld>
             <a:endParaRPr lang="pt-BR"/>
           </a:p>
@@ -7759,7 +7759,7 @@
           <a:p>
             <a:fld id="{722B080F-126B-4C40-8493-979CF4E35B37}" type="datetimeFigureOut">
               <a:rPr lang="pt-BR" smtClean="0"/>
-              <a:t>20/03/2023</a:t>
+              <a:t>27/03/2023</a:t>
             </a:fld>
             <a:endParaRPr lang="pt-BR"/>
           </a:p>
@@ -8330,7 +8330,7 @@
           <a:p>
             <a:fld id="{E4EBD666-A697-4156-91FF-DAAB2B063E63}" type="datetimeFigureOut">
               <a:rPr lang="pt-BR" smtClean="0"/>
-              <a:t>20/03/2023</a:t>
+              <a:t>27/03/2023</a:t>
             </a:fld>
             <a:endParaRPr lang="pt-BR"/>
           </a:p>
@@ -13187,7 +13187,7 @@
         <p:spPr>
           <a:xfrm>
             <a:off x="334045" y="3393775"/>
-            <a:ext cx="2106200" cy="1058621"/>
+            <a:ext cx="2106200" cy="1200329"/>
           </a:xfrm>
           <a:prstGeom prst="roundRect">
             <a:avLst>
@@ -13241,7 +13241,7 @@
         <p:spPr>
           <a:xfrm>
             <a:off x="2741965" y="3393775"/>
-            <a:ext cx="2106200" cy="1058621"/>
+            <a:ext cx="2106200" cy="1200329"/>
           </a:xfrm>
           <a:prstGeom prst="roundRect">
             <a:avLst>
@@ -13295,7 +13295,7 @@
         <p:spPr>
           <a:xfrm>
             <a:off x="5149885" y="3393775"/>
-            <a:ext cx="2106200" cy="1058621"/>
+            <a:ext cx="2106200" cy="1200329"/>
           </a:xfrm>
           <a:prstGeom prst="roundRect">
             <a:avLst>
@@ -13349,7 +13349,7 @@
         <p:spPr>
           <a:xfrm>
             <a:off x="7493855" y="3393775"/>
-            <a:ext cx="2106200" cy="1058621"/>
+            <a:ext cx="2106200" cy="1200329"/>
           </a:xfrm>
           <a:prstGeom prst="roundRect">
             <a:avLst>
@@ -13403,7 +13403,7 @@
         <p:spPr>
           <a:xfrm>
             <a:off x="9837825" y="3393775"/>
-            <a:ext cx="2106200" cy="1058621"/>
+            <a:ext cx="2106200" cy="1200329"/>
           </a:xfrm>
           <a:prstGeom prst="roundRect">
             <a:avLst>
@@ -13456,8 +13456,8 @@
         </p:nvSpPr>
         <p:spPr>
           <a:xfrm>
-            <a:off x="461365" y="3554606"/>
-            <a:ext cx="1851558" cy="646331"/>
+            <a:off x="334045" y="3785438"/>
+            <a:ext cx="1851558" cy="400110"/>
           </a:xfrm>
           <a:prstGeom prst="rect">
             <a:avLst/>
@@ -13472,152 +13472,15 @@
           <a:p>
             <a:pPr algn="ctr"/>
             <a:r>
-              <a:rPr lang="pt-BR" sz="1200" dirty="0" err="1">
+              <a:rPr lang="pt-BR" sz="1000" dirty="0">
                 <a:solidFill>
                   <a:schemeClr val="bg1"/>
                 </a:solidFill>
                 <a:latin typeface="Arial" panose="020B0604020202020204" pitchFamily="34" charset="0"/>
                 <a:cs typeface="Arial" panose="020B0604020202020204" pitchFamily="34" charset="0"/>
               </a:rPr>
-              <a:t>Lorem</a:t>
-            </a:r>
-            <a:r>
-              <a:rPr lang="pt-BR" sz="1200" dirty="0">
-                <a:solidFill>
-                  <a:schemeClr val="bg1"/>
-                </a:solidFill>
-                <a:latin typeface="Arial" panose="020B0604020202020204" pitchFamily="34" charset="0"/>
-                <a:cs typeface="Arial" panose="020B0604020202020204" pitchFamily="34" charset="0"/>
-              </a:rPr>
-              <a:t> ipsum </a:t>
-            </a:r>
-            <a:r>
-              <a:rPr lang="pt-BR" sz="1200" dirty="0" err="1">
-                <a:solidFill>
-                  <a:schemeClr val="bg1"/>
-                </a:solidFill>
-                <a:latin typeface="Arial" panose="020B0604020202020204" pitchFamily="34" charset="0"/>
-                <a:cs typeface="Arial" panose="020B0604020202020204" pitchFamily="34" charset="0"/>
-              </a:rPr>
-              <a:t>dolor</a:t>
-            </a:r>
-            <a:r>
-              <a:rPr lang="pt-BR" sz="1200" dirty="0">
-                <a:solidFill>
-                  <a:schemeClr val="bg1"/>
-                </a:solidFill>
-                <a:latin typeface="Arial" panose="020B0604020202020204" pitchFamily="34" charset="0"/>
-                <a:cs typeface="Arial" panose="020B0604020202020204" pitchFamily="34" charset="0"/>
-              </a:rPr>
-              <a:t> </a:t>
-            </a:r>
-            <a:r>
-              <a:rPr lang="pt-BR" sz="1200" dirty="0" err="1">
-                <a:solidFill>
-                  <a:schemeClr val="bg1"/>
-                </a:solidFill>
-                <a:latin typeface="Arial" panose="020B0604020202020204" pitchFamily="34" charset="0"/>
-                <a:cs typeface="Arial" panose="020B0604020202020204" pitchFamily="34" charset="0"/>
-              </a:rPr>
-              <a:t>sitamet</a:t>
-            </a:r>
-            <a:r>
-              <a:rPr lang="pt-BR" sz="1200" dirty="0">
-                <a:solidFill>
-                  <a:schemeClr val="bg1"/>
-                </a:solidFill>
-                <a:latin typeface="Arial" panose="020B0604020202020204" pitchFamily="34" charset="0"/>
-                <a:cs typeface="Arial" panose="020B0604020202020204" pitchFamily="34" charset="0"/>
-              </a:rPr>
-              <a:t>, </a:t>
-            </a:r>
-            <a:r>
-              <a:rPr lang="pt-BR" sz="1200" dirty="0" err="1">
-                <a:solidFill>
-                  <a:schemeClr val="bg1"/>
-                </a:solidFill>
-                <a:latin typeface="Arial" panose="020B0604020202020204" pitchFamily="34" charset="0"/>
-                <a:cs typeface="Arial" panose="020B0604020202020204" pitchFamily="34" charset="0"/>
-              </a:rPr>
-              <a:t>consectetur</a:t>
-            </a:r>
-            <a:r>
-              <a:rPr lang="pt-BR" sz="1200" dirty="0">
-                <a:solidFill>
-                  <a:schemeClr val="bg1"/>
-                </a:solidFill>
-                <a:latin typeface="Arial" panose="020B0604020202020204" pitchFamily="34" charset="0"/>
-                <a:cs typeface="Arial" panose="020B0604020202020204" pitchFamily="34" charset="0"/>
-              </a:rPr>
-              <a:t> </a:t>
-            </a:r>
-            <a:r>
-              <a:rPr lang="pt-BR" sz="1200" dirty="0" err="1">
-                <a:solidFill>
-                  <a:schemeClr val="bg1"/>
-                </a:solidFill>
-                <a:latin typeface="Arial" panose="020B0604020202020204" pitchFamily="34" charset="0"/>
-                <a:cs typeface="Arial" panose="020B0604020202020204" pitchFamily="34" charset="0"/>
-              </a:rPr>
-              <a:t>adipiscing</a:t>
-            </a:r>
-            <a:r>
-              <a:rPr lang="pt-BR" sz="1200" dirty="0">
-                <a:solidFill>
-                  <a:schemeClr val="bg1"/>
-                </a:solidFill>
-                <a:latin typeface="Arial" panose="020B0604020202020204" pitchFamily="34" charset="0"/>
-                <a:cs typeface="Arial" panose="020B0604020202020204" pitchFamily="34" charset="0"/>
-              </a:rPr>
-              <a:t> </a:t>
-            </a:r>
-            <a:r>
-              <a:rPr lang="pt-BR" sz="1200" dirty="0" err="1">
-                <a:solidFill>
-                  <a:schemeClr val="bg1"/>
-                </a:solidFill>
-                <a:latin typeface="Arial" panose="020B0604020202020204" pitchFamily="34" charset="0"/>
-                <a:cs typeface="Arial" panose="020B0604020202020204" pitchFamily="34" charset="0"/>
-              </a:rPr>
-              <a:t>elit</a:t>
-            </a:r>
-            <a:r>
-              <a:rPr lang="pt-BR" sz="1200" dirty="0">
-                <a:solidFill>
-                  <a:schemeClr val="bg1"/>
-                </a:solidFill>
-                <a:latin typeface="Arial" panose="020B0604020202020204" pitchFamily="34" charset="0"/>
-                <a:cs typeface="Arial" panose="020B0604020202020204" pitchFamily="34" charset="0"/>
-              </a:rPr>
-              <a:t>, </a:t>
-            </a:r>
-            <a:r>
-              <a:rPr lang="pt-BR" sz="1200" dirty="0" err="1">
-                <a:solidFill>
-                  <a:schemeClr val="bg1"/>
-                </a:solidFill>
-                <a:latin typeface="Arial" panose="020B0604020202020204" pitchFamily="34" charset="0"/>
-                <a:cs typeface="Arial" panose="020B0604020202020204" pitchFamily="34" charset="0"/>
-              </a:rPr>
-              <a:t>sed</a:t>
-            </a:r>
-            <a:r>
-              <a:rPr lang="pt-BR" sz="1200" dirty="0">
-                <a:solidFill>
-                  <a:schemeClr val="bg1"/>
-                </a:solidFill>
-                <a:latin typeface="Arial" panose="020B0604020202020204" pitchFamily="34" charset="0"/>
-                <a:cs typeface="Arial" panose="020B0604020202020204" pitchFamily="34" charset="0"/>
-              </a:rPr>
-              <a:t> do.</a:t>
-            </a:r>
-            <a:endParaRPr lang="pt-BR" sz="900" dirty="0">
-              <a:solidFill>
-                <a:schemeClr val="bg1"/>
-              </a:solidFill>
-              <a:latin typeface="Arial" panose="020B0604020202020204" pitchFamily="34" charset="0"/>
-              <a:cs typeface="Arial" panose="020B0604020202020204" pitchFamily="34" charset="0"/>
-            </a:endParaRPr>
+              <a:t>Proprietário ou Gestor da Propriedade Rural.</a:t>
+            </a:r>
           </a:p>
         </p:txBody>
       </p:sp>
@@ -13635,8 +13498,8 @@
         </p:nvSpPr>
         <p:spPr>
           <a:xfrm>
-            <a:off x="2869285" y="3554606"/>
-            <a:ext cx="1851558" cy="646331"/>
+            <a:off x="2706948" y="3563052"/>
+            <a:ext cx="2078150" cy="861774"/>
           </a:xfrm>
           <a:prstGeom prst="rect">
             <a:avLst/>
@@ -13651,152 +13514,53 @@
           <a:p>
             <a:pPr algn="ctr"/>
             <a:r>
-              <a:rPr lang="pt-BR" sz="1200" dirty="0" err="1">
+              <a:rPr lang="pt-BR" sz="1000" dirty="0">
                 <a:solidFill>
                   <a:schemeClr val="bg1"/>
                 </a:solidFill>
                 <a:latin typeface="Arial" panose="020B0604020202020204" pitchFamily="34" charset="0"/>
                 <a:cs typeface="Arial" panose="020B0604020202020204" pitchFamily="34" charset="0"/>
               </a:rPr>
-              <a:t>Lorem</a:t>
-            </a:r>
-            <a:r>
-              <a:rPr lang="pt-BR" sz="1200" dirty="0">
+              <a:t>Dados pluviométricos;</a:t>
+            </a:r>
+            <a:br>
+              <a:rPr lang="pt-BR" sz="1000" dirty="0">
                 <a:solidFill>
                   <a:schemeClr val="bg1"/>
                 </a:solidFill>
                 <a:latin typeface="Arial" panose="020B0604020202020204" pitchFamily="34" charset="0"/>
                 <a:cs typeface="Arial" panose="020B0604020202020204" pitchFamily="34" charset="0"/>
               </a:rPr>
-              <a:t> ipsum </a:t>
-            </a:r>
-            <a:r>
-              <a:rPr lang="pt-BR" sz="1200" dirty="0" err="1">
+            </a:br>
+            <a:r>
+              <a:rPr lang="pt-BR" sz="1000" dirty="0">
                 <a:solidFill>
                   <a:schemeClr val="bg1"/>
                 </a:solidFill>
                 <a:latin typeface="Arial" panose="020B0604020202020204" pitchFamily="34" charset="0"/>
                 <a:cs typeface="Arial" panose="020B0604020202020204" pitchFamily="34" charset="0"/>
               </a:rPr>
-              <a:t>dolor</a:t>
-            </a:r>
-            <a:r>
-              <a:rPr lang="pt-BR" sz="1200" dirty="0">
+              <a:t>Sistemas de abastecimento de água;</a:t>
+            </a:r>
+            <a:br>
+              <a:rPr lang="pt-BR" sz="1000" dirty="0">
                 <a:solidFill>
                   <a:schemeClr val="bg1"/>
                 </a:solidFill>
                 <a:latin typeface="Arial" panose="020B0604020202020204" pitchFamily="34" charset="0"/>
                 <a:cs typeface="Arial" panose="020B0604020202020204" pitchFamily="34" charset="0"/>
               </a:rPr>
-              <a:t> </a:t>
-            </a:r>
-            <a:r>
-              <a:rPr lang="pt-BR" sz="1200" dirty="0" err="1">
+            </a:br>
+            <a:r>
+              <a:rPr lang="pt-BR" sz="1000" dirty="0">
                 <a:solidFill>
                   <a:schemeClr val="bg1"/>
                 </a:solidFill>
                 <a:latin typeface="Arial" panose="020B0604020202020204" pitchFamily="34" charset="0"/>
                 <a:cs typeface="Arial" panose="020B0604020202020204" pitchFamily="34" charset="0"/>
               </a:rPr>
-              <a:t>sitamet</a:t>
-            </a:r>
-            <a:r>
-              <a:rPr lang="pt-BR" sz="1200" dirty="0">
-                <a:solidFill>
-                  <a:schemeClr val="bg1"/>
-                </a:solidFill>
-                <a:latin typeface="Arial" panose="020B0604020202020204" pitchFamily="34" charset="0"/>
-                <a:cs typeface="Arial" panose="020B0604020202020204" pitchFamily="34" charset="0"/>
-              </a:rPr>
-              <a:t>, </a:t>
-            </a:r>
-            <a:r>
-              <a:rPr lang="pt-BR" sz="1200" dirty="0" err="1">
-                <a:solidFill>
-                  <a:schemeClr val="bg1"/>
-                </a:solidFill>
-                <a:latin typeface="Arial" panose="020B0604020202020204" pitchFamily="34" charset="0"/>
-                <a:cs typeface="Arial" panose="020B0604020202020204" pitchFamily="34" charset="0"/>
-              </a:rPr>
-              <a:t>consectetur</a:t>
-            </a:r>
-            <a:r>
-              <a:rPr lang="pt-BR" sz="1200" dirty="0">
-                <a:solidFill>
-                  <a:schemeClr val="bg1"/>
-                </a:solidFill>
-                <a:latin typeface="Arial" panose="020B0604020202020204" pitchFamily="34" charset="0"/>
-                <a:cs typeface="Arial" panose="020B0604020202020204" pitchFamily="34" charset="0"/>
-              </a:rPr>
-              <a:t> </a:t>
-            </a:r>
-            <a:r>
-              <a:rPr lang="pt-BR" sz="1200" dirty="0" err="1">
-                <a:solidFill>
-                  <a:schemeClr val="bg1"/>
-                </a:solidFill>
-                <a:latin typeface="Arial" panose="020B0604020202020204" pitchFamily="34" charset="0"/>
-                <a:cs typeface="Arial" panose="020B0604020202020204" pitchFamily="34" charset="0"/>
-              </a:rPr>
-              <a:t>adipiscing</a:t>
-            </a:r>
-            <a:r>
-              <a:rPr lang="pt-BR" sz="1200" dirty="0">
-                <a:solidFill>
-                  <a:schemeClr val="bg1"/>
-                </a:solidFill>
-                <a:latin typeface="Arial" panose="020B0604020202020204" pitchFamily="34" charset="0"/>
-                <a:cs typeface="Arial" panose="020B0604020202020204" pitchFamily="34" charset="0"/>
-              </a:rPr>
-              <a:t> </a:t>
-            </a:r>
-            <a:r>
-              <a:rPr lang="pt-BR" sz="1200" dirty="0" err="1">
-                <a:solidFill>
-                  <a:schemeClr val="bg1"/>
-                </a:solidFill>
-                <a:latin typeface="Arial" panose="020B0604020202020204" pitchFamily="34" charset="0"/>
-                <a:cs typeface="Arial" panose="020B0604020202020204" pitchFamily="34" charset="0"/>
-              </a:rPr>
-              <a:t>elit</a:t>
-            </a:r>
-            <a:r>
-              <a:rPr lang="pt-BR" sz="1200" dirty="0">
-                <a:solidFill>
-                  <a:schemeClr val="bg1"/>
-                </a:solidFill>
-                <a:latin typeface="Arial" panose="020B0604020202020204" pitchFamily="34" charset="0"/>
-                <a:cs typeface="Arial" panose="020B0604020202020204" pitchFamily="34" charset="0"/>
-              </a:rPr>
-              <a:t>, </a:t>
-            </a:r>
-            <a:r>
-              <a:rPr lang="pt-BR" sz="1200" dirty="0" err="1">
-                <a:solidFill>
-                  <a:schemeClr val="bg1"/>
-                </a:solidFill>
-                <a:latin typeface="Arial" panose="020B0604020202020204" pitchFamily="34" charset="0"/>
-                <a:cs typeface="Arial" panose="020B0604020202020204" pitchFamily="34" charset="0"/>
-              </a:rPr>
-              <a:t>sed</a:t>
-            </a:r>
-            <a:r>
-              <a:rPr lang="pt-BR" sz="1200" dirty="0">
-                <a:solidFill>
-                  <a:schemeClr val="bg1"/>
-                </a:solidFill>
-                <a:latin typeface="Arial" panose="020B0604020202020204" pitchFamily="34" charset="0"/>
-                <a:cs typeface="Arial" panose="020B0604020202020204" pitchFamily="34" charset="0"/>
-              </a:rPr>
-              <a:t> do.</a:t>
-            </a:r>
-            <a:endParaRPr lang="pt-BR" sz="900" dirty="0">
-              <a:solidFill>
-                <a:schemeClr val="bg1"/>
-              </a:solidFill>
-              <a:latin typeface="Arial" panose="020B0604020202020204" pitchFamily="34" charset="0"/>
-              <a:cs typeface="Arial" panose="020B0604020202020204" pitchFamily="34" charset="0"/>
-            </a:endParaRPr>
+              <a:t>Equipamentos utilizados na análise de dados.</a:t>
+            </a:r>
           </a:p>
         </p:txBody>
       </p:sp>
@@ -13814,8 +13578,8 @@
         </p:nvSpPr>
         <p:spPr>
           <a:xfrm>
-            <a:off x="5277206" y="3554606"/>
-            <a:ext cx="1851558" cy="646331"/>
+            <a:off x="5287304" y="3563052"/>
+            <a:ext cx="1851558" cy="861774"/>
           </a:xfrm>
           <a:prstGeom prst="rect">
             <a:avLst/>
@@ -13830,152 +13594,15 @@
           <a:p>
             <a:pPr algn="ctr"/>
             <a:r>
-              <a:rPr lang="pt-BR" sz="1200" dirty="0" err="1">
+              <a:rPr lang="pt-BR" sz="1000" dirty="0">
                 <a:solidFill>
                   <a:schemeClr val="bg1"/>
                 </a:solidFill>
                 <a:latin typeface="Arial" panose="020B0604020202020204" pitchFamily="34" charset="0"/>
                 <a:cs typeface="Arial" panose="020B0604020202020204" pitchFamily="34" charset="0"/>
               </a:rPr>
-              <a:t>Lorem</a:t>
-            </a:r>
-            <a:r>
-              <a:rPr lang="pt-BR" sz="1200" dirty="0">
-                <a:solidFill>
-                  <a:schemeClr val="bg1"/>
-                </a:solidFill>
-                <a:latin typeface="Arial" panose="020B0604020202020204" pitchFamily="34" charset="0"/>
-                <a:cs typeface="Arial" panose="020B0604020202020204" pitchFamily="34" charset="0"/>
-              </a:rPr>
-              <a:t> ipsum </a:t>
-            </a:r>
-            <a:r>
-              <a:rPr lang="pt-BR" sz="1200" dirty="0" err="1">
-                <a:solidFill>
-                  <a:schemeClr val="bg1"/>
-                </a:solidFill>
-                <a:latin typeface="Arial" panose="020B0604020202020204" pitchFamily="34" charset="0"/>
-                <a:cs typeface="Arial" panose="020B0604020202020204" pitchFamily="34" charset="0"/>
-              </a:rPr>
-              <a:t>dolor</a:t>
-            </a:r>
-            <a:r>
-              <a:rPr lang="pt-BR" sz="1200" dirty="0">
-                <a:solidFill>
-                  <a:schemeClr val="bg1"/>
-                </a:solidFill>
-                <a:latin typeface="Arial" panose="020B0604020202020204" pitchFamily="34" charset="0"/>
-                <a:cs typeface="Arial" panose="020B0604020202020204" pitchFamily="34" charset="0"/>
-              </a:rPr>
-              <a:t> </a:t>
-            </a:r>
-            <a:r>
-              <a:rPr lang="pt-BR" sz="1200" dirty="0" err="1">
-                <a:solidFill>
-                  <a:schemeClr val="bg1"/>
-                </a:solidFill>
-                <a:latin typeface="Arial" panose="020B0604020202020204" pitchFamily="34" charset="0"/>
-                <a:cs typeface="Arial" panose="020B0604020202020204" pitchFamily="34" charset="0"/>
-              </a:rPr>
-              <a:t>sitamet</a:t>
-            </a:r>
-            <a:r>
-              <a:rPr lang="pt-BR" sz="1200" dirty="0">
-                <a:solidFill>
-                  <a:schemeClr val="bg1"/>
-                </a:solidFill>
-                <a:latin typeface="Arial" panose="020B0604020202020204" pitchFamily="34" charset="0"/>
-                <a:cs typeface="Arial" panose="020B0604020202020204" pitchFamily="34" charset="0"/>
-              </a:rPr>
-              <a:t>, </a:t>
-            </a:r>
-            <a:r>
-              <a:rPr lang="pt-BR" sz="1200" dirty="0" err="1">
-                <a:solidFill>
-                  <a:schemeClr val="bg1"/>
-                </a:solidFill>
-                <a:latin typeface="Arial" panose="020B0604020202020204" pitchFamily="34" charset="0"/>
-                <a:cs typeface="Arial" panose="020B0604020202020204" pitchFamily="34" charset="0"/>
-              </a:rPr>
-              <a:t>consectetur</a:t>
-            </a:r>
-            <a:r>
-              <a:rPr lang="pt-BR" sz="1200" dirty="0">
-                <a:solidFill>
-                  <a:schemeClr val="bg1"/>
-                </a:solidFill>
-                <a:latin typeface="Arial" panose="020B0604020202020204" pitchFamily="34" charset="0"/>
-                <a:cs typeface="Arial" panose="020B0604020202020204" pitchFamily="34" charset="0"/>
-              </a:rPr>
-              <a:t> </a:t>
-            </a:r>
-            <a:r>
-              <a:rPr lang="pt-BR" sz="1200" dirty="0" err="1">
-                <a:solidFill>
-                  <a:schemeClr val="bg1"/>
-                </a:solidFill>
-                <a:latin typeface="Arial" panose="020B0604020202020204" pitchFamily="34" charset="0"/>
-                <a:cs typeface="Arial" panose="020B0604020202020204" pitchFamily="34" charset="0"/>
-              </a:rPr>
-              <a:t>adipiscing</a:t>
-            </a:r>
-            <a:r>
-              <a:rPr lang="pt-BR" sz="1200" dirty="0">
-                <a:solidFill>
-                  <a:schemeClr val="bg1"/>
-                </a:solidFill>
-                <a:latin typeface="Arial" panose="020B0604020202020204" pitchFamily="34" charset="0"/>
-                <a:cs typeface="Arial" panose="020B0604020202020204" pitchFamily="34" charset="0"/>
-              </a:rPr>
-              <a:t> </a:t>
-            </a:r>
-            <a:r>
-              <a:rPr lang="pt-BR" sz="1200" dirty="0" err="1">
-                <a:solidFill>
-                  <a:schemeClr val="bg1"/>
-                </a:solidFill>
-                <a:latin typeface="Arial" panose="020B0604020202020204" pitchFamily="34" charset="0"/>
-                <a:cs typeface="Arial" panose="020B0604020202020204" pitchFamily="34" charset="0"/>
-              </a:rPr>
-              <a:t>elit</a:t>
-            </a:r>
-            <a:r>
-              <a:rPr lang="pt-BR" sz="1200" dirty="0">
-                <a:solidFill>
-                  <a:schemeClr val="bg1"/>
-                </a:solidFill>
-                <a:latin typeface="Arial" panose="020B0604020202020204" pitchFamily="34" charset="0"/>
-                <a:cs typeface="Arial" panose="020B0604020202020204" pitchFamily="34" charset="0"/>
-              </a:rPr>
-              <a:t>, </a:t>
-            </a:r>
-            <a:r>
-              <a:rPr lang="pt-BR" sz="1200" dirty="0" err="1">
-                <a:solidFill>
-                  <a:schemeClr val="bg1"/>
-                </a:solidFill>
-                <a:latin typeface="Arial" panose="020B0604020202020204" pitchFamily="34" charset="0"/>
-                <a:cs typeface="Arial" panose="020B0604020202020204" pitchFamily="34" charset="0"/>
-              </a:rPr>
-              <a:t>sed</a:t>
-            </a:r>
-            <a:r>
-              <a:rPr lang="pt-BR" sz="1200" dirty="0">
-                <a:solidFill>
-                  <a:schemeClr val="bg1"/>
-                </a:solidFill>
-                <a:latin typeface="Arial" panose="020B0604020202020204" pitchFamily="34" charset="0"/>
-                <a:cs typeface="Arial" panose="020B0604020202020204" pitchFamily="34" charset="0"/>
-              </a:rPr>
-              <a:t> do.</a:t>
-            </a:r>
-            <a:endParaRPr lang="pt-BR" sz="900" dirty="0">
-              <a:solidFill>
-                <a:schemeClr val="bg1"/>
-              </a:solidFill>
-              <a:latin typeface="Arial" panose="020B0604020202020204" pitchFamily="34" charset="0"/>
-              <a:cs typeface="Arial" panose="020B0604020202020204" pitchFamily="34" charset="0"/>
-            </a:endParaRPr>
+              <a:t>Ambiente rural, com condições climáticas específicas e variáveis, e com diferentes tipos de solos e cultura de pastagem.</a:t>
+            </a:r>
           </a:p>
         </p:txBody>
       </p:sp>
@@ -13993,8 +13620,8 @@
         </p:nvSpPr>
         <p:spPr>
           <a:xfrm>
-            <a:off x="7621176" y="3554606"/>
-            <a:ext cx="1851558" cy="646331"/>
+            <a:off x="7504174" y="3398692"/>
+            <a:ext cx="2210823" cy="1200329"/>
           </a:xfrm>
           <a:prstGeom prst="rect">
             <a:avLst/>
@@ -14009,152 +13636,72 @@
           <a:p>
             <a:pPr algn="ctr"/>
             <a:r>
-              <a:rPr lang="pt-BR" sz="1200" dirty="0" err="1">
+              <a:rPr lang="pt-BR" sz="900" dirty="0">
                 <a:solidFill>
                   <a:schemeClr val="bg1"/>
                 </a:solidFill>
                 <a:latin typeface="Arial" panose="020B0604020202020204" pitchFamily="34" charset="0"/>
                 <a:cs typeface="Arial" panose="020B0604020202020204" pitchFamily="34" charset="0"/>
               </a:rPr>
-              <a:t>Lorem</a:t>
-            </a:r>
-            <a:r>
-              <a:rPr lang="pt-BR" sz="1200" dirty="0">
+              <a:t>Informações sobre a variabilidade pluviométrica da região;</a:t>
+            </a:r>
+            <a:br>
+              <a:rPr lang="pt-BR" sz="900" dirty="0">
                 <a:solidFill>
                   <a:schemeClr val="bg1"/>
                 </a:solidFill>
                 <a:latin typeface="Arial" panose="020B0604020202020204" pitchFamily="34" charset="0"/>
                 <a:cs typeface="Arial" panose="020B0604020202020204" pitchFamily="34" charset="0"/>
               </a:rPr>
-              <a:t> ipsum </a:t>
-            </a:r>
-            <a:r>
-              <a:rPr lang="pt-BR" sz="1200" dirty="0" err="1">
+            </a:br>
+            <a:r>
+              <a:rPr lang="pt-BR" sz="900" dirty="0">
                 <a:solidFill>
                   <a:schemeClr val="bg1"/>
                 </a:solidFill>
                 <a:latin typeface="Arial" panose="020B0604020202020204" pitchFamily="34" charset="0"/>
                 <a:cs typeface="Arial" panose="020B0604020202020204" pitchFamily="34" charset="0"/>
               </a:rPr>
-              <a:t>dolor</a:t>
-            </a:r>
-            <a:r>
-              <a:rPr lang="pt-BR" sz="1200" dirty="0">
+              <a:t>Oportunidades para a implementação de sistemas de abastecimento mais eficientes e econômicos;</a:t>
+            </a:r>
+            <a:br>
+              <a:rPr lang="pt-BR" sz="900" dirty="0">
                 <a:solidFill>
                   <a:schemeClr val="bg1"/>
                 </a:solidFill>
                 <a:latin typeface="Arial" panose="020B0604020202020204" pitchFamily="34" charset="0"/>
                 <a:cs typeface="Arial" panose="020B0604020202020204" pitchFamily="34" charset="0"/>
               </a:rPr>
-              <a:t> </a:t>
-            </a:r>
-            <a:r>
-              <a:rPr lang="pt-BR" sz="1200" dirty="0" err="1">
+            </a:br>
+            <a:r>
+              <a:rPr lang="pt-BR" sz="900" dirty="0">
                 <a:solidFill>
                   <a:schemeClr val="bg1"/>
                 </a:solidFill>
                 <a:latin typeface="Arial" panose="020B0604020202020204" pitchFamily="34" charset="0"/>
                 <a:cs typeface="Arial" panose="020B0604020202020204" pitchFamily="34" charset="0"/>
               </a:rPr>
-              <a:t>sitamet</a:t>
-            </a:r>
-            <a:r>
-              <a:rPr lang="pt-BR" sz="1200" dirty="0">
+              <a:t>Previsão de eventos extremos;</a:t>
+            </a:r>
+            <a:br>
+              <a:rPr lang="pt-BR" sz="900" dirty="0">
                 <a:solidFill>
                   <a:schemeClr val="bg1"/>
                 </a:solidFill>
                 <a:latin typeface="Arial" panose="020B0604020202020204" pitchFamily="34" charset="0"/>
                 <a:cs typeface="Arial" panose="020B0604020202020204" pitchFamily="34" charset="0"/>
               </a:rPr>
-              <a:t>, </a:t>
-            </a:r>
-            <a:r>
-              <a:rPr lang="pt-BR" sz="1200" dirty="0" err="1">
+            </a:br>
+            <a:r>
+              <a:rPr lang="pt-BR" sz="900" dirty="0">
                 <a:solidFill>
                   <a:schemeClr val="bg1"/>
                 </a:solidFill>
                 <a:latin typeface="Arial" panose="020B0604020202020204" pitchFamily="34" charset="0"/>
                 <a:cs typeface="Arial" panose="020B0604020202020204" pitchFamily="34" charset="0"/>
               </a:rPr>
-              <a:t>consectetur</a:t>
-            </a:r>
-            <a:r>
-              <a:rPr lang="pt-BR" sz="1200" dirty="0">
-                <a:solidFill>
-                  <a:schemeClr val="bg1"/>
-                </a:solidFill>
-                <a:latin typeface="Arial" panose="020B0604020202020204" pitchFamily="34" charset="0"/>
-                <a:cs typeface="Arial" panose="020B0604020202020204" pitchFamily="34" charset="0"/>
-              </a:rPr>
-              <a:t> </a:t>
-            </a:r>
-            <a:r>
-              <a:rPr lang="pt-BR" sz="1200" dirty="0" err="1">
-                <a:solidFill>
-                  <a:schemeClr val="bg1"/>
-                </a:solidFill>
-                <a:latin typeface="Arial" panose="020B0604020202020204" pitchFamily="34" charset="0"/>
-                <a:cs typeface="Arial" panose="020B0604020202020204" pitchFamily="34" charset="0"/>
-              </a:rPr>
-              <a:t>adipiscing</a:t>
-            </a:r>
-            <a:r>
-              <a:rPr lang="pt-BR" sz="1200" dirty="0">
-                <a:solidFill>
-                  <a:schemeClr val="bg1"/>
-                </a:solidFill>
-                <a:latin typeface="Arial" panose="020B0604020202020204" pitchFamily="34" charset="0"/>
-                <a:cs typeface="Arial" panose="020B0604020202020204" pitchFamily="34" charset="0"/>
-              </a:rPr>
-              <a:t> </a:t>
-            </a:r>
-            <a:r>
-              <a:rPr lang="pt-BR" sz="1200" dirty="0" err="1">
-                <a:solidFill>
-                  <a:schemeClr val="bg1"/>
-                </a:solidFill>
-                <a:latin typeface="Arial" panose="020B0604020202020204" pitchFamily="34" charset="0"/>
-                <a:cs typeface="Arial" panose="020B0604020202020204" pitchFamily="34" charset="0"/>
-              </a:rPr>
-              <a:t>elit</a:t>
-            </a:r>
-            <a:r>
-              <a:rPr lang="pt-BR" sz="1200" dirty="0">
-                <a:solidFill>
-                  <a:schemeClr val="bg1"/>
-                </a:solidFill>
-                <a:latin typeface="Arial" panose="020B0604020202020204" pitchFamily="34" charset="0"/>
-                <a:cs typeface="Arial" panose="020B0604020202020204" pitchFamily="34" charset="0"/>
-              </a:rPr>
-              <a:t>, </a:t>
-            </a:r>
-            <a:r>
-              <a:rPr lang="pt-BR" sz="1200" dirty="0" err="1">
-                <a:solidFill>
-                  <a:schemeClr val="bg1"/>
-                </a:solidFill>
-                <a:latin typeface="Arial" panose="020B0604020202020204" pitchFamily="34" charset="0"/>
-                <a:cs typeface="Arial" panose="020B0604020202020204" pitchFamily="34" charset="0"/>
-              </a:rPr>
-              <a:t>sed</a:t>
-            </a:r>
-            <a:r>
-              <a:rPr lang="pt-BR" sz="1200" dirty="0">
-                <a:solidFill>
-                  <a:schemeClr val="bg1"/>
-                </a:solidFill>
-                <a:latin typeface="Arial" panose="020B0604020202020204" pitchFamily="34" charset="0"/>
-                <a:cs typeface="Arial" panose="020B0604020202020204" pitchFamily="34" charset="0"/>
-              </a:rPr>
-              <a:t> do.</a:t>
-            </a:r>
-            <a:endParaRPr lang="pt-BR" sz="900" dirty="0">
-              <a:solidFill>
-                <a:schemeClr val="bg1"/>
-              </a:solidFill>
-              <a:latin typeface="Arial" panose="020B0604020202020204" pitchFamily="34" charset="0"/>
-              <a:cs typeface="Arial" panose="020B0604020202020204" pitchFamily="34" charset="0"/>
-            </a:endParaRPr>
+              <a:t>Espacialização dos dados pluviométricos.</a:t>
+            </a:r>
           </a:p>
         </p:txBody>
       </p:sp>
@@ -14172,8 +13719,8 @@
         </p:nvSpPr>
         <p:spPr>
           <a:xfrm>
-            <a:off x="9965145" y="3554606"/>
-            <a:ext cx="1851558" cy="646331"/>
+            <a:off x="9952767" y="3434407"/>
+            <a:ext cx="1851558" cy="1200329"/>
           </a:xfrm>
           <a:prstGeom prst="rect">
             <a:avLst/>
@@ -14188,152 +13735,15 @@
           <a:p>
             <a:pPr algn="ctr"/>
             <a:r>
-              <a:rPr lang="pt-BR" sz="1200" dirty="0" err="1">
+              <a:rPr lang="pt-BR" sz="900" dirty="0">
                 <a:solidFill>
                   <a:schemeClr val="bg1"/>
                 </a:solidFill>
                 <a:latin typeface="Arial" panose="020B0604020202020204" pitchFamily="34" charset="0"/>
                 <a:cs typeface="Arial" panose="020B0604020202020204" pitchFamily="34" charset="0"/>
               </a:rPr>
-              <a:t>Lorem</a:t>
-            </a:r>
-            <a:r>
-              <a:rPr lang="pt-BR" sz="1200" dirty="0">
-                <a:solidFill>
-                  <a:schemeClr val="bg1"/>
-                </a:solidFill>
-                <a:latin typeface="Arial" panose="020B0604020202020204" pitchFamily="34" charset="0"/>
-                <a:cs typeface="Arial" panose="020B0604020202020204" pitchFamily="34" charset="0"/>
-              </a:rPr>
-              <a:t> ipsum </a:t>
-            </a:r>
-            <a:r>
-              <a:rPr lang="pt-BR" sz="1200" dirty="0" err="1">
-                <a:solidFill>
-                  <a:schemeClr val="bg1"/>
-                </a:solidFill>
-                <a:latin typeface="Arial" panose="020B0604020202020204" pitchFamily="34" charset="0"/>
-                <a:cs typeface="Arial" panose="020B0604020202020204" pitchFamily="34" charset="0"/>
-              </a:rPr>
-              <a:t>dolor</a:t>
-            </a:r>
-            <a:r>
-              <a:rPr lang="pt-BR" sz="1200" dirty="0">
-                <a:solidFill>
-                  <a:schemeClr val="bg1"/>
-                </a:solidFill>
-                <a:latin typeface="Arial" panose="020B0604020202020204" pitchFamily="34" charset="0"/>
-                <a:cs typeface="Arial" panose="020B0604020202020204" pitchFamily="34" charset="0"/>
-              </a:rPr>
-              <a:t> </a:t>
-            </a:r>
-            <a:r>
-              <a:rPr lang="pt-BR" sz="1200" dirty="0" err="1">
-                <a:solidFill>
-                  <a:schemeClr val="bg1"/>
-                </a:solidFill>
-                <a:latin typeface="Arial" panose="020B0604020202020204" pitchFamily="34" charset="0"/>
-                <a:cs typeface="Arial" panose="020B0604020202020204" pitchFamily="34" charset="0"/>
-              </a:rPr>
-              <a:t>sitamet</a:t>
-            </a:r>
-            <a:r>
-              <a:rPr lang="pt-BR" sz="1200" dirty="0">
-                <a:solidFill>
-                  <a:schemeClr val="bg1"/>
-                </a:solidFill>
-                <a:latin typeface="Arial" panose="020B0604020202020204" pitchFamily="34" charset="0"/>
-                <a:cs typeface="Arial" panose="020B0604020202020204" pitchFamily="34" charset="0"/>
-              </a:rPr>
-              <a:t>, </a:t>
-            </a:r>
-            <a:r>
-              <a:rPr lang="pt-BR" sz="1200" dirty="0" err="1">
-                <a:solidFill>
-                  <a:schemeClr val="bg1"/>
-                </a:solidFill>
-                <a:latin typeface="Arial" panose="020B0604020202020204" pitchFamily="34" charset="0"/>
-                <a:cs typeface="Arial" panose="020B0604020202020204" pitchFamily="34" charset="0"/>
-              </a:rPr>
-              <a:t>consectetur</a:t>
-            </a:r>
-            <a:r>
-              <a:rPr lang="pt-BR" sz="1200" dirty="0">
-                <a:solidFill>
-                  <a:schemeClr val="bg1"/>
-                </a:solidFill>
-                <a:latin typeface="Arial" panose="020B0604020202020204" pitchFamily="34" charset="0"/>
-                <a:cs typeface="Arial" panose="020B0604020202020204" pitchFamily="34" charset="0"/>
-              </a:rPr>
-              <a:t> </a:t>
-            </a:r>
-            <a:r>
-              <a:rPr lang="pt-BR" sz="1200" dirty="0" err="1">
-                <a:solidFill>
-                  <a:schemeClr val="bg1"/>
-                </a:solidFill>
-                <a:latin typeface="Arial" panose="020B0604020202020204" pitchFamily="34" charset="0"/>
-                <a:cs typeface="Arial" panose="020B0604020202020204" pitchFamily="34" charset="0"/>
-              </a:rPr>
-              <a:t>adipiscing</a:t>
-            </a:r>
-            <a:r>
-              <a:rPr lang="pt-BR" sz="1200" dirty="0">
-                <a:solidFill>
-                  <a:schemeClr val="bg1"/>
-                </a:solidFill>
-                <a:latin typeface="Arial" panose="020B0604020202020204" pitchFamily="34" charset="0"/>
-                <a:cs typeface="Arial" panose="020B0604020202020204" pitchFamily="34" charset="0"/>
-              </a:rPr>
-              <a:t> </a:t>
-            </a:r>
-            <a:r>
-              <a:rPr lang="pt-BR" sz="1200" dirty="0" err="1">
-                <a:solidFill>
-                  <a:schemeClr val="bg1"/>
-                </a:solidFill>
-                <a:latin typeface="Arial" panose="020B0604020202020204" pitchFamily="34" charset="0"/>
-                <a:cs typeface="Arial" panose="020B0604020202020204" pitchFamily="34" charset="0"/>
-              </a:rPr>
-              <a:t>elit</a:t>
-            </a:r>
-            <a:r>
-              <a:rPr lang="pt-BR" sz="1200" dirty="0">
-                <a:solidFill>
-                  <a:schemeClr val="bg1"/>
-                </a:solidFill>
-                <a:latin typeface="Arial" panose="020B0604020202020204" pitchFamily="34" charset="0"/>
-                <a:cs typeface="Arial" panose="020B0604020202020204" pitchFamily="34" charset="0"/>
-              </a:rPr>
-              <a:t>, </a:t>
-            </a:r>
-            <a:r>
-              <a:rPr lang="pt-BR" sz="1200" dirty="0" err="1">
-                <a:solidFill>
-                  <a:schemeClr val="bg1"/>
-                </a:solidFill>
-                <a:latin typeface="Arial" panose="020B0604020202020204" pitchFamily="34" charset="0"/>
-                <a:cs typeface="Arial" panose="020B0604020202020204" pitchFamily="34" charset="0"/>
-              </a:rPr>
-              <a:t>sed</a:t>
-            </a:r>
-            <a:r>
-              <a:rPr lang="pt-BR" sz="1200" dirty="0">
-                <a:solidFill>
-                  <a:schemeClr val="bg1"/>
-                </a:solidFill>
-                <a:latin typeface="Arial" panose="020B0604020202020204" pitchFamily="34" charset="0"/>
-                <a:cs typeface="Arial" panose="020B0604020202020204" pitchFamily="34" charset="0"/>
-              </a:rPr>
-              <a:t> do.</a:t>
-            </a:r>
-            <a:endParaRPr lang="pt-BR" sz="900" dirty="0">
-              <a:solidFill>
-                <a:schemeClr val="bg1"/>
-              </a:solidFill>
-              <a:latin typeface="Arial" panose="020B0604020202020204" pitchFamily="34" charset="0"/>
-              <a:cs typeface="Arial" panose="020B0604020202020204" pitchFamily="34" charset="0"/>
-            </a:endParaRPr>
+              <a:t>Análise de dados pluviométricos, implementação de técnicas avançadas de modelagem estatística e de aprendizado de máquina, fornecimento de informações precisas e acionáveis para a propriedade rural.</a:t>
+            </a:r>
           </a:p>
         </p:txBody>
       </p:sp>
@@ -14351,8 +13761,8 @@
         </p:nvSpPr>
         <p:spPr>
           <a:xfrm>
-            <a:off x="929639" y="5122832"/>
-            <a:ext cx="4584395" cy="1169551"/>
+            <a:off x="932720" y="5292039"/>
+            <a:ext cx="4584395" cy="738664"/>
           </a:xfrm>
           <a:prstGeom prst="rect">
             <a:avLst/>
@@ -14365,429 +13775,17 @@
           </a:bodyPr>
           <a:lstStyle/>
           <a:p>
-            <a:r>
-              <a:rPr lang="pt-BR" sz="1400" dirty="0" err="1">
-                <a:solidFill>
-                  <a:schemeClr val="bg1"/>
-                </a:solidFill>
-              </a:rPr>
-              <a:t>Lorem</a:t>
-            </a:r>
+            <a:pPr algn="just"/>
             <a:r>
               <a:rPr lang="pt-BR" sz="1400" dirty="0">
                 <a:solidFill>
                   <a:schemeClr val="bg1"/>
                 </a:solidFill>
-              </a:rPr>
-              <a:t> ipsum </a:t>
-            </a:r>
-            <a:r>
-              <a:rPr lang="pt-BR" sz="1400" dirty="0" err="1">
-                <a:solidFill>
-                  <a:schemeClr val="bg1"/>
-                </a:solidFill>
-              </a:rPr>
-              <a:t>dolor</a:t>
-            </a:r>
-            <a:r>
-              <a:rPr lang="pt-BR" sz="1400" dirty="0">
-                <a:solidFill>
-                  <a:schemeClr val="bg1"/>
-                </a:solidFill>
-              </a:rPr>
-              <a:t> </a:t>
-            </a:r>
-            <a:r>
-              <a:rPr lang="pt-BR" sz="1400" dirty="0" err="1">
-                <a:solidFill>
-                  <a:schemeClr val="bg1"/>
-                </a:solidFill>
-              </a:rPr>
-              <a:t>sit</a:t>
-            </a:r>
-            <a:r>
-              <a:rPr lang="pt-BR" sz="1400" dirty="0">
-                <a:solidFill>
-                  <a:schemeClr val="bg1"/>
-                </a:solidFill>
-              </a:rPr>
-              <a:t> </a:t>
-            </a:r>
-            <a:r>
-              <a:rPr lang="pt-BR" sz="1400" dirty="0" err="1">
-                <a:solidFill>
-                  <a:schemeClr val="bg1"/>
-                </a:solidFill>
-              </a:rPr>
-              <a:t>amet</a:t>
-            </a:r>
-            <a:r>
-              <a:rPr lang="pt-BR" sz="1400" dirty="0">
-                <a:solidFill>
-                  <a:schemeClr val="bg1"/>
-                </a:solidFill>
-              </a:rPr>
-              <a:t>, </a:t>
-            </a:r>
-            <a:r>
-              <a:rPr lang="pt-BR" sz="1400" dirty="0" err="1">
-                <a:solidFill>
-                  <a:schemeClr val="bg1"/>
-                </a:solidFill>
-              </a:rPr>
-              <a:t>consectetur</a:t>
-            </a:r>
-            <a:r>
-              <a:rPr lang="pt-BR" sz="1400" dirty="0">
-                <a:solidFill>
-                  <a:schemeClr val="bg1"/>
-                </a:solidFill>
-              </a:rPr>
-              <a:t> </a:t>
-            </a:r>
-            <a:r>
-              <a:rPr lang="pt-BR" sz="1400" dirty="0" err="1">
-                <a:solidFill>
-                  <a:schemeClr val="bg1"/>
-                </a:solidFill>
-              </a:rPr>
-              <a:t>adipiscing</a:t>
-            </a:r>
-            <a:r>
-              <a:rPr lang="pt-BR" sz="1400" dirty="0">
-                <a:solidFill>
-                  <a:schemeClr val="bg1"/>
-                </a:solidFill>
-              </a:rPr>
-              <a:t> </a:t>
-            </a:r>
-            <a:r>
-              <a:rPr lang="pt-BR" sz="1400" dirty="0" err="1">
-                <a:solidFill>
-                  <a:schemeClr val="bg1"/>
-                </a:solidFill>
-              </a:rPr>
-              <a:t>elit</a:t>
-            </a:r>
-            <a:r>
-              <a:rPr lang="pt-BR" sz="1400" dirty="0">
-                <a:solidFill>
-                  <a:schemeClr val="bg1"/>
-                </a:solidFill>
-              </a:rPr>
-              <a:t>, </a:t>
-            </a:r>
-            <a:r>
-              <a:rPr lang="pt-BR" sz="1400" dirty="0" err="1">
-                <a:solidFill>
-                  <a:schemeClr val="bg1"/>
-                </a:solidFill>
-              </a:rPr>
-              <a:t>sed</a:t>
-            </a:r>
-            <a:r>
-              <a:rPr lang="pt-BR" sz="1400" dirty="0">
-                <a:solidFill>
-                  <a:schemeClr val="bg1"/>
-                </a:solidFill>
-              </a:rPr>
-              <a:t> do </a:t>
-            </a:r>
-            <a:r>
-              <a:rPr lang="pt-BR" sz="1400" dirty="0" err="1">
-                <a:solidFill>
-                  <a:schemeClr val="bg1"/>
-                </a:solidFill>
-              </a:rPr>
-              <a:t>eiusmod</a:t>
-            </a:r>
-            <a:r>
-              <a:rPr lang="pt-BR" sz="1400" dirty="0">
-                <a:solidFill>
-                  <a:schemeClr val="bg1"/>
-                </a:solidFill>
-              </a:rPr>
-              <a:t> </a:t>
-            </a:r>
-            <a:r>
-              <a:rPr lang="pt-BR" sz="1400" dirty="0" err="1">
-                <a:solidFill>
-                  <a:schemeClr val="bg1"/>
-                </a:solidFill>
-              </a:rPr>
-              <a:t>tempor</a:t>
-            </a:r>
-            <a:r>
-              <a:rPr lang="pt-BR" sz="1400" dirty="0">
-                <a:solidFill>
-                  <a:schemeClr val="bg1"/>
-                </a:solidFill>
-              </a:rPr>
-              <a:t> </a:t>
-            </a:r>
-            <a:r>
-              <a:rPr lang="pt-BR" sz="1400" dirty="0" err="1">
-                <a:solidFill>
-                  <a:schemeClr val="bg1"/>
-                </a:solidFill>
-              </a:rPr>
-              <a:t>incididunt</a:t>
-            </a:r>
-            <a:r>
-              <a:rPr lang="pt-BR" sz="1400" dirty="0">
-                <a:solidFill>
-                  <a:schemeClr val="bg1"/>
-                </a:solidFill>
-              </a:rPr>
-              <a:t> ut labore et </a:t>
-            </a:r>
-            <a:r>
-              <a:rPr lang="pt-BR" sz="1400" dirty="0" err="1">
-                <a:solidFill>
-                  <a:schemeClr val="bg1"/>
-                </a:solidFill>
-              </a:rPr>
-              <a:t>dolore</a:t>
-            </a:r>
-            <a:r>
-              <a:rPr lang="pt-BR" sz="1400" dirty="0">
-                <a:solidFill>
-                  <a:schemeClr val="bg1"/>
-                </a:solidFill>
-              </a:rPr>
-              <a:t> magna </a:t>
-            </a:r>
-            <a:r>
-              <a:rPr lang="pt-BR" sz="1400" dirty="0" err="1">
-                <a:solidFill>
-                  <a:schemeClr val="bg1"/>
-                </a:solidFill>
-              </a:rPr>
-              <a:t>aliqua</a:t>
-            </a:r>
-            <a:r>
-              <a:rPr lang="pt-BR" sz="1400" dirty="0">
-                <a:solidFill>
-                  <a:schemeClr val="bg1"/>
-                </a:solidFill>
-              </a:rPr>
-              <a:t>. Ut </a:t>
-            </a:r>
-            <a:r>
-              <a:rPr lang="pt-BR" sz="1400" dirty="0" err="1">
-                <a:solidFill>
-                  <a:schemeClr val="bg1"/>
-                </a:solidFill>
-              </a:rPr>
-              <a:t>enim</a:t>
-            </a:r>
-            <a:r>
-              <a:rPr lang="pt-BR" sz="1400" dirty="0">
-                <a:solidFill>
-                  <a:schemeClr val="bg1"/>
-                </a:solidFill>
-              </a:rPr>
-              <a:t> ad </a:t>
-            </a:r>
-            <a:r>
-              <a:rPr lang="pt-BR" sz="1400" dirty="0" err="1">
-                <a:solidFill>
-                  <a:schemeClr val="bg1"/>
-                </a:solidFill>
-              </a:rPr>
-              <a:t>minim</a:t>
-            </a:r>
-            <a:r>
-              <a:rPr lang="pt-BR" sz="1400" dirty="0">
-                <a:solidFill>
-                  <a:schemeClr val="bg1"/>
-                </a:solidFill>
-              </a:rPr>
-              <a:t> </a:t>
-            </a:r>
-            <a:r>
-              <a:rPr lang="pt-BR" sz="1400" dirty="0" err="1">
-                <a:solidFill>
-                  <a:schemeClr val="bg1"/>
-                </a:solidFill>
-              </a:rPr>
-              <a:t>veniam</a:t>
-            </a:r>
-            <a:r>
-              <a:rPr lang="pt-BR" sz="1400" dirty="0">
-                <a:solidFill>
-                  <a:schemeClr val="bg1"/>
-                </a:solidFill>
-              </a:rPr>
-              <a:t>, quis </a:t>
-            </a:r>
-            <a:r>
-              <a:rPr lang="pt-BR" sz="1400" dirty="0" err="1">
-                <a:solidFill>
-                  <a:schemeClr val="bg1"/>
-                </a:solidFill>
-              </a:rPr>
-              <a:t>nostrud</a:t>
-            </a:r>
-            <a:r>
-              <a:rPr lang="pt-BR" sz="1400" dirty="0">
-                <a:solidFill>
-                  <a:schemeClr val="bg1"/>
-                </a:solidFill>
-              </a:rPr>
-              <a:t> </a:t>
-            </a:r>
-            <a:r>
-              <a:rPr lang="pt-BR" sz="1400" dirty="0" err="1">
-                <a:solidFill>
-                  <a:schemeClr val="bg1"/>
-                </a:solidFill>
-              </a:rPr>
-              <a:t>exercitation</a:t>
-            </a:r>
-            <a:r>
-              <a:rPr lang="pt-BR" sz="1400" dirty="0">
-                <a:solidFill>
-                  <a:schemeClr val="bg1"/>
-                </a:solidFill>
-              </a:rPr>
-              <a:t> </a:t>
-            </a:r>
-            <a:r>
-              <a:rPr lang="pt-BR" sz="1400" dirty="0" err="1">
-                <a:solidFill>
-                  <a:schemeClr val="bg1"/>
-                </a:solidFill>
-              </a:rPr>
-              <a:t>ullamco</a:t>
-            </a:r>
-            <a:r>
-              <a:rPr lang="pt-BR" sz="1400" dirty="0">
-                <a:solidFill>
-                  <a:schemeClr val="bg1"/>
-                </a:solidFill>
-              </a:rPr>
-              <a:t> </a:t>
-            </a:r>
-            <a:r>
-              <a:rPr lang="pt-BR" sz="1400" dirty="0" err="1">
-                <a:solidFill>
-                  <a:schemeClr val="bg1"/>
-                </a:solidFill>
-              </a:rPr>
-              <a:t>laboris</a:t>
-            </a:r>
-            <a:r>
-              <a:rPr lang="pt-BR" sz="1400" dirty="0">
-                <a:solidFill>
-                  <a:schemeClr val="bg1"/>
-                </a:solidFill>
-              </a:rPr>
-              <a:t> </a:t>
-            </a:r>
-            <a:r>
-              <a:rPr lang="pt-BR" sz="1400" dirty="0" err="1">
-                <a:solidFill>
-                  <a:schemeClr val="bg1"/>
-                </a:solidFill>
-              </a:rPr>
-              <a:t>nisi</a:t>
-            </a:r>
-            <a:r>
-              <a:rPr lang="pt-BR" sz="1400" dirty="0">
-                <a:solidFill>
-                  <a:schemeClr val="bg1"/>
-                </a:solidFill>
-              </a:rPr>
-              <a:t> ut </a:t>
-            </a:r>
-            <a:r>
-              <a:rPr lang="pt-BR" sz="1400" dirty="0" err="1">
-                <a:solidFill>
-                  <a:schemeClr val="bg1"/>
-                </a:solidFill>
-              </a:rPr>
-              <a:t>aliquip</a:t>
-            </a:r>
-            <a:r>
-              <a:rPr lang="pt-BR" sz="1400" dirty="0">
-                <a:solidFill>
-                  <a:schemeClr val="bg1"/>
-                </a:solidFill>
-              </a:rPr>
-              <a:t> </a:t>
-            </a:r>
-            <a:r>
-              <a:rPr lang="pt-BR" sz="1400" dirty="0" err="1">
-                <a:solidFill>
-                  <a:schemeClr val="bg1"/>
-                </a:solidFill>
-              </a:rPr>
-              <a:t>ex</a:t>
-            </a:r>
-            <a:r>
-              <a:rPr lang="pt-BR" sz="1400" dirty="0">
-                <a:solidFill>
-                  <a:schemeClr val="bg1"/>
-                </a:solidFill>
-              </a:rPr>
-              <a:t> </a:t>
-            </a:r>
-            <a:r>
-              <a:rPr lang="pt-BR" sz="1400" dirty="0" err="1">
-                <a:solidFill>
-                  <a:schemeClr val="bg1"/>
-                </a:solidFill>
-              </a:rPr>
-              <a:t>ea</a:t>
-            </a:r>
-            <a:r>
-              <a:rPr lang="pt-BR" sz="1400" dirty="0">
-                <a:solidFill>
-                  <a:schemeClr val="bg1"/>
-                </a:solidFill>
-              </a:rPr>
-              <a:t> </a:t>
-            </a:r>
-            <a:r>
-              <a:rPr lang="pt-BR" sz="1400" dirty="0" err="1">
-                <a:solidFill>
-                  <a:schemeClr val="bg1"/>
-                </a:solidFill>
-              </a:rPr>
-              <a:t>commodo</a:t>
-            </a:r>
-            <a:r>
-              <a:rPr lang="pt-BR" sz="1400" dirty="0">
-                <a:solidFill>
-                  <a:schemeClr val="bg1"/>
-                </a:solidFill>
-              </a:rPr>
-              <a:t> </a:t>
-            </a:r>
-            <a:r>
-              <a:rPr lang="pt-BR" sz="1400" dirty="0" err="1">
-                <a:solidFill>
-                  <a:schemeClr val="bg1"/>
-                </a:solidFill>
-              </a:rPr>
-              <a:t>consequat</a:t>
-            </a:r>
-            <a:r>
-              <a:rPr lang="pt-BR" sz="1400" dirty="0">
-                <a:solidFill>
-                  <a:schemeClr val="bg1"/>
-                </a:solidFill>
-              </a:rPr>
-              <a:t>.</a:t>
-            </a:r>
-            <a:endParaRPr lang="pt-BR" sz="800" dirty="0">
-              <a:solidFill>
-                <a:schemeClr val="bg1"/>
-              </a:solidFill>
-              <a:latin typeface="Arial" panose="020B0604020202020204" pitchFamily="34" charset="0"/>
-              <a:cs typeface="Arial" panose="020B0604020202020204" pitchFamily="34" charset="0"/>
-            </a:endParaRPr>
+                <a:latin typeface="Arial" panose="020B0604020202020204" pitchFamily="34" charset="0"/>
+                <a:cs typeface="Arial" panose="020B0604020202020204" pitchFamily="34" charset="0"/>
+              </a:rPr>
+              <a:t>Todos os dados pluviométricos coletados, análises realizadas, resultados obtidos e metas alcançadas ao longo do projeto.</a:t>
+            </a:r>
           </a:p>
         </p:txBody>
       </p:sp>
@@ -14806,7 +13804,7 @@
         <p:spPr>
           <a:xfrm>
             <a:off x="6903719" y="5122832"/>
-            <a:ext cx="4625659" cy="1169551"/>
+            <a:ext cx="4625659" cy="954107"/>
           </a:xfrm>
           <a:prstGeom prst="rect">
             <a:avLst/>
@@ -14819,429 +13817,17 @@
           </a:bodyPr>
           <a:lstStyle/>
           <a:p>
-            <a:r>
-              <a:rPr lang="pt-BR" sz="1400" dirty="0" err="1">
-                <a:solidFill>
-                  <a:schemeClr val="bg1"/>
-                </a:solidFill>
-              </a:rPr>
-              <a:t>Lorem</a:t>
-            </a:r>
+            <a:pPr algn="just"/>
             <a:r>
               <a:rPr lang="pt-BR" sz="1400" dirty="0">
                 <a:solidFill>
                   <a:schemeClr val="bg1"/>
                 </a:solidFill>
-              </a:rPr>
-              <a:t> ipsum </a:t>
-            </a:r>
-            <a:r>
-              <a:rPr lang="pt-BR" sz="1400" dirty="0" err="1">
-                <a:solidFill>
-                  <a:schemeClr val="bg1"/>
-                </a:solidFill>
-              </a:rPr>
-              <a:t>dolor</a:t>
-            </a:r>
-            <a:r>
-              <a:rPr lang="pt-BR" sz="1400" dirty="0">
-                <a:solidFill>
-                  <a:schemeClr val="bg1"/>
-                </a:solidFill>
-              </a:rPr>
-              <a:t> </a:t>
-            </a:r>
-            <a:r>
-              <a:rPr lang="pt-BR" sz="1400" dirty="0" err="1">
-                <a:solidFill>
-                  <a:schemeClr val="bg1"/>
-                </a:solidFill>
-              </a:rPr>
-              <a:t>sit</a:t>
-            </a:r>
-            <a:r>
-              <a:rPr lang="pt-BR" sz="1400" dirty="0">
-                <a:solidFill>
-                  <a:schemeClr val="bg1"/>
-                </a:solidFill>
-              </a:rPr>
-              <a:t> </a:t>
-            </a:r>
-            <a:r>
-              <a:rPr lang="pt-BR" sz="1400" dirty="0" err="1">
-                <a:solidFill>
-                  <a:schemeClr val="bg1"/>
-                </a:solidFill>
-              </a:rPr>
-              <a:t>amet</a:t>
-            </a:r>
-            <a:r>
-              <a:rPr lang="pt-BR" sz="1400" dirty="0">
-                <a:solidFill>
-                  <a:schemeClr val="bg1"/>
-                </a:solidFill>
-              </a:rPr>
-              <a:t>, </a:t>
-            </a:r>
-            <a:r>
-              <a:rPr lang="pt-BR" sz="1400" dirty="0" err="1">
-                <a:solidFill>
-                  <a:schemeClr val="bg1"/>
-                </a:solidFill>
-              </a:rPr>
-              <a:t>consectetur</a:t>
-            </a:r>
-            <a:r>
-              <a:rPr lang="pt-BR" sz="1400" dirty="0">
-                <a:solidFill>
-                  <a:schemeClr val="bg1"/>
-                </a:solidFill>
-              </a:rPr>
-              <a:t> </a:t>
-            </a:r>
-            <a:r>
-              <a:rPr lang="pt-BR" sz="1400" dirty="0" err="1">
-                <a:solidFill>
-                  <a:schemeClr val="bg1"/>
-                </a:solidFill>
-              </a:rPr>
-              <a:t>adipiscing</a:t>
-            </a:r>
-            <a:r>
-              <a:rPr lang="pt-BR" sz="1400" dirty="0">
-                <a:solidFill>
-                  <a:schemeClr val="bg1"/>
-                </a:solidFill>
-              </a:rPr>
-              <a:t> </a:t>
-            </a:r>
-            <a:r>
-              <a:rPr lang="pt-BR" sz="1400" dirty="0" err="1">
-                <a:solidFill>
-                  <a:schemeClr val="bg1"/>
-                </a:solidFill>
-              </a:rPr>
-              <a:t>elit</a:t>
-            </a:r>
-            <a:r>
-              <a:rPr lang="pt-BR" sz="1400" dirty="0">
-                <a:solidFill>
-                  <a:schemeClr val="bg1"/>
-                </a:solidFill>
-              </a:rPr>
-              <a:t>, </a:t>
-            </a:r>
-            <a:r>
-              <a:rPr lang="pt-BR" sz="1400" dirty="0" err="1">
-                <a:solidFill>
-                  <a:schemeClr val="bg1"/>
-                </a:solidFill>
-              </a:rPr>
-              <a:t>sed</a:t>
-            </a:r>
-            <a:r>
-              <a:rPr lang="pt-BR" sz="1400" dirty="0">
-                <a:solidFill>
-                  <a:schemeClr val="bg1"/>
-                </a:solidFill>
-              </a:rPr>
-              <a:t> do </a:t>
-            </a:r>
-            <a:r>
-              <a:rPr lang="pt-BR" sz="1400" dirty="0" err="1">
-                <a:solidFill>
-                  <a:schemeClr val="bg1"/>
-                </a:solidFill>
-              </a:rPr>
-              <a:t>eiusmod</a:t>
-            </a:r>
-            <a:r>
-              <a:rPr lang="pt-BR" sz="1400" dirty="0">
-                <a:solidFill>
-                  <a:schemeClr val="bg1"/>
-                </a:solidFill>
-              </a:rPr>
-              <a:t> </a:t>
-            </a:r>
-            <a:r>
-              <a:rPr lang="pt-BR" sz="1400" dirty="0" err="1">
-                <a:solidFill>
-                  <a:schemeClr val="bg1"/>
-                </a:solidFill>
-              </a:rPr>
-              <a:t>tempor</a:t>
-            </a:r>
-            <a:r>
-              <a:rPr lang="pt-BR" sz="1400" dirty="0">
-                <a:solidFill>
-                  <a:schemeClr val="bg1"/>
-                </a:solidFill>
-              </a:rPr>
-              <a:t> </a:t>
-            </a:r>
-            <a:r>
-              <a:rPr lang="pt-BR" sz="1400" dirty="0" err="1">
-                <a:solidFill>
-                  <a:schemeClr val="bg1"/>
-                </a:solidFill>
-              </a:rPr>
-              <a:t>incididunt</a:t>
-            </a:r>
-            <a:r>
-              <a:rPr lang="pt-BR" sz="1400" dirty="0">
-                <a:solidFill>
-                  <a:schemeClr val="bg1"/>
-                </a:solidFill>
-              </a:rPr>
-              <a:t> ut labore et </a:t>
-            </a:r>
-            <a:r>
-              <a:rPr lang="pt-BR" sz="1400" dirty="0" err="1">
-                <a:solidFill>
-                  <a:schemeClr val="bg1"/>
-                </a:solidFill>
-              </a:rPr>
-              <a:t>dolore</a:t>
-            </a:r>
-            <a:r>
-              <a:rPr lang="pt-BR" sz="1400" dirty="0">
-                <a:solidFill>
-                  <a:schemeClr val="bg1"/>
-                </a:solidFill>
-              </a:rPr>
-              <a:t> magna </a:t>
-            </a:r>
-            <a:r>
-              <a:rPr lang="pt-BR" sz="1400" dirty="0" err="1">
-                <a:solidFill>
-                  <a:schemeClr val="bg1"/>
-                </a:solidFill>
-              </a:rPr>
-              <a:t>aliqua</a:t>
-            </a:r>
-            <a:r>
-              <a:rPr lang="pt-BR" sz="1400" dirty="0">
-                <a:solidFill>
-                  <a:schemeClr val="bg1"/>
-                </a:solidFill>
-              </a:rPr>
-              <a:t>. Ut </a:t>
-            </a:r>
-            <a:r>
-              <a:rPr lang="pt-BR" sz="1400" dirty="0" err="1">
-                <a:solidFill>
-                  <a:schemeClr val="bg1"/>
-                </a:solidFill>
-              </a:rPr>
-              <a:t>enim</a:t>
-            </a:r>
-            <a:r>
-              <a:rPr lang="pt-BR" sz="1400" dirty="0">
-                <a:solidFill>
-                  <a:schemeClr val="bg1"/>
-                </a:solidFill>
-              </a:rPr>
-              <a:t> ad </a:t>
-            </a:r>
-            <a:r>
-              <a:rPr lang="pt-BR" sz="1400" dirty="0" err="1">
-                <a:solidFill>
-                  <a:schemeClr val="bg1"/>
-                </a:solidFill>
-              </a:rPr>
-              <a:t>minim</a:t>
-            </a:r>
-            <a:r>
-              <a:rPr lang="pt-BR" sz="1400" dirty="0">
-                <a:solidFill>
-                  <a:schemeClr val="bg1"/>
-                </a:solidFill>
-              </a:rPr>
-              <a:t> </a:t>
-            </a:r>
-            <a:r>
-              <a:rPr lang="pt-BR" sz="1400" dirty="0" err="1">
-                <a:solidFill>
-                  <a:schemeClr val="bg1"/>
-                </a:solidFill>
-              </a:rPr>
-              <a:t>veniam</a:t>
-            </a:r>
-            <a:r>
-              <a:rPr lang="pt-BR" sz="1400" dirty="0">
-                <a:solidFill>
-                  <a:schemeClr val="bg1"/>
-                </a:solidFill>
-              </a:rPr>
-              <a:t>, quis </a:t>
-            </a:r>
-            <a:r>
-              <a:rPr lang="pt-BR" sz="1400" dirty="0" err="1">
-                <a:solidFill>
-                  <a:schemeClr val="bg1"/>
-                </a:solidFill>
-              </a:rPr>
-              <a:t>nostrud</a:t>
-            </a:r>
-            <a:r>
-              <a:rPr lang="pt-BR" sz="1400" dirty="0">
-                <a:solidFill>
-                  <a:schemeClr val="bg1"/>
-                </a:solidFill>
-              </a:rPr>
-              <a:t> </a:t>
-            </a:r>
-            <a:r>
-              <a:rPr lang="pt-BR" sz="1400" dirty="0" err="1">
-                <a:solidFill>
-                  <a:schemeClr val="bg1"/>
-                </a:solidFill>
-              </a:rPr>
-              <a:t>exercitation</a:t>
-            </a:r>
-            <a:r>
-              <a:rPr lang="pt-BR" sz="1400" dirty="0">
-                <a:solidFill>
-                  <a:schemeClr val="bg1"/>
-                </a:solidFill>
-              </a:rPr>
-              <a:t> </a:t>
-            </a:r>
-            <a:r>
-              <a:rPr lang="pt-BR" sz="1400" dirty="0" err="1">
-                <a:solidFill>
-                  <a:schemeClr val="bg1"/>
-                </a:solidFill>
-              </a:rPr>
-              <a:t>ullamco</a:t>
-            </a:r>
-            <a:r>
-              <a:rPr lang="pt-BR" sz="1400" dirty="0">
-                <a:solidFill>
-                  <a:schemeClr val="bg1"/>
-                </a:solidFill>
-              </a:rPr>
-              <a:t> </a:t>
-            </a:r>
-            <a:r>
-              <a:rPr lang="pt-BR" sz="1400" dirty="0" err="1">
-                <a:solidFill>
-                  <a:schemeClr val="bg1"/>
-                </a:solidFill>
-              </a:rPr>
-              <a:t>laboris</a:t>
-            </a:r>
-            <a:r>
-              <a:rPr lang="pt-BR" sz="1400" dirty="0">
-                <a:solidFill>
-                  <a:schemeClr val="bg1"/>
-                </a:solidFill>
-              </a:rPr>
-              <a:t> </a:t>
-            </a:r>
-            <a:r>
-              <a:rPr lang="pt-BR" sz="1400" dirty="0" err="1">
-                <a:solidFill>
-                  <a:schemeClr val="bg1"/>
-                </a:solidFill>
-              </a:rPr>
-              <a:t>nisi</a:t>
-            </a:r>
-            <a:r>
-              <a:rPr lang="pt-BR" sz="1400" dirty="0">
-                <a:solidFill>
-                  <a:schemeClr val="bg1"/>
-                </a:solidFill>
-              </a:rPr>
-              <a:t> ut </a:t>
-            </a:r>
-            <a:r>
-              <a:rPr lang="pt-BR" sz="1400" dirty="0" err="1">
-                <a:solidFill>
-                  <a:schemeClr val="bg1"/>
-                </a:solidFill>
-              </a:rPr>
-              <a:t>aliquip</a:t>
-            </a:r>
-            <a:r>
-              <a:rPr lang="pt-BR" sz="1400" dirty="0">
-                <a:solidFill>
-                  <a:schemeClr val="bg1"/>
-                </a:solidFill>
-              </a:rPr>
-              <a:t> </a:t>
-            </a:r>
-            <a:r>
-              <a:rPr lang="pt-BR" sz="1400" dirty="0" err="1">
-                <a:solidFill>
-                  <a:schemeClr val="bg1"/>
-                </a:solidFill>
-              </a:rPr>
-              <a:t>ex</a:t>
-            </a:r>
-            <a:r>
-              <a:rPr lang="pt-BR" sz="1400" dirty="0">
-                <a:solidFill>
-                  <a:schemeClr val="bg1"/>
-                </a:solidFill>
-              </a:rPr>
-              <a:t> </a:t>
-            </a:r>
-            <a:r>
-              <a:rPr lang="pt-BR" sz="1400" dirty="0" err="1">
-                <a:solidFill>
-                  <a:schemeClr val="bg1"/>
-                </a:solidFill>
-              </a:rPr>
-              <a:t>ea</a:t>
-            </a:r>
-            <a:r>
-              <a:rPr lang="pt-BR" sz="1400" dirty="0">
-                <a:solidFill>
-                  <a:schemeClr val="bg1"/>
-                </a:solidFill>
-              </a:rPr>
-              <a:t> </a:t>
-            </a:r>
-            <a:r>
-              <a:rPr lang="pt-BR" sz="1400" dirty="0" err="1">
-                <a:solidFill>
-                  <a:schemeClr val="bg1"/>
-                </a:solidFill>
-              </a:rPr>
-              <a:t>commodo</a:t>
-            </a:r>
-            <a:r>
-              <a:rPr lang="pt-BR" sz="1400" dirty="0">
-                <a:solidFill>
-                  <a:schemeClr val="bg1"/>
-                </a:solidFill>
-              </a:rPr>
-              <a:t> </a:t>
-            </a:r>
-            <a:r>
-              <a:rPr lang="pt-BR" sz="1400" dirty="0" err="1">
-                <a:solidFill>
-                  <a:schemeClr val="bg1"/>
-                </a:solidFill>
-              </a:rPr>
-              <a:t>consequat</a:t>
-            </a:r>
-            <a:r>
-              <a:rPr lang="pt-BR" sz="1400" dirty="0">
-                <a:solidFill>
-                  <a:schemeClr val="bg1"/>
-                </a:solidFill>
-              </a:rPr>
-              <a:t>.</a:t>
-            </a:r>
-            <a:endParaRPr lang="pt-BR" sz="800" dirty="0">
-              <a:solidFill>
-                <a:schemeClr val="bg1"/>
-              </a:solidFill>
-              <a:latin typeface="Arial" panose="020B0604020202020204" pitchFamily="34" charset="0"/>
-              <a:cs typeface="Arial" panose="020B0604020202020204" pitchFamily="34" charset="0"/>
-            </a:endParaRPr>
+                <a:latin typeface="Arial" panose="020B0604020202020204" pitchFamily="34" charset="0"/>
+                <a:cs typeface="Arial" panose="020B0604020202020204" pitchFamily="34" charset="0"/>
+              </a:rPr>
+              <a:t>Identificação de áreas prioritárias para a implementação de sistemas de abastecimento de água e também a previsão de eventos extremos de chuva ou estiagem para a propriedade rural.</a:t>
+            </a:r>
           </a:p>
         </p:txBody>
       </p:sp>
